--- a/Foundation.pptx
+++ b/Foundation.pptx
@@ -19,20 +19,23 @@
   <p:notesSz cx="6858000" cy="9144000"/>
   <p:embeddedFontLst>
     <p:embeddedFont>
-      <p:font typeface="Poppins" panose="020B0502040204020203" pitchFamily="2" charset="0"/>
+      <p:font typeface="Poppins" panose="00000500000000000000" pitchFamily="2" charset="0"/>
       <p:regular r:id="rId9"/>
+      <p:bold r:id="rId10"/>
     </p:embeddedFont>
     <p:embeddedFont>
-      <p:font typeface="Poppins Bold"/>
-      <p:regular r:id="rId10"/>
+      <p:font typeface="Poppins Bold" panose="00000800000000000000" pitchFamily="2" charset="0"/>
+      <p:regular r:id="rId11"/>
+      <p:bold r:id="rId12"/>
     </p:embeddedFont>
     <p:embeddedFont>
-      <p:font typeface="Poppins Light" panose="020B0502040204020203" pitchFamily="2" charset="0"/>
-      <p:regular r:id="rId11"/>
+      <p:font typeface="Poppins Light" panose="00000400000000000000" pitchFamily="2" charset="0"/>
+      <p:regular r:id="rId13"/>
+      <p:italic r:id="rId14"/>
     </p:embeddedFont>
     <p:embeddedFont>
-      <p:font typeface="Tomorrow Bold"/>
-      <p:regular r:id="rId12"/>
+      <p:font typeface="Tomorrow Bold" panose="020B0604020202020204" charset="0"/>
+      <p:regular r:id="rId15"/>
     </p:embeddedFont>
   </p:embeddedFontLst>
   <p:defaultTextStyle>
@@ -231,7 +234,7 @@
           <a:p>
             <a:fld id="{C952B5C8-1250-46D1-A8E5-4F33588C9F16}" type="datetimeFigureOut">
               <a:rPr lang="fr-FR" smtClean="0"/>
-              <a:t>18/11/2024</a:t>
+              <a:t>19/11/2024</a:t>
             </a:fld>
             <a:endParaRPr lang="fr-FR"/>
           </a:p>
@@ -678,7 +681,7 @@
             <a:fld id="{1D8BD707-D9CF-40AE-B4C6-C98DA3205C09}" type="datetimeFigureOut">
               <a:rPr lang="en-US" smtClean="0"/>
               <a:pPr/>
-              <a:t>11/18/2024</a:t>
+              <a:t>11/19/2024</a:t>
             </a:fld>
             <a:endParaRPr lang="en-US"/>
           </a:p>
@@ -843,7 +846,7 @@
             <a:fld id="{1D8BD707-D9CF-40AE-B4C6-C98DA3205C09}" type="datetimeFigureOut">
               <a:rPr lang="en-US" smtClean="0"/>
               <a:pPr/>
-              <a:t>11/18/2024</a:t>
+              <a:t>11/19/2024</a:t>
             </a:fld>
             <a:endParaRPr lang="en-US"/>
           </a:p>
@@ -1018,7 +1021,7 @@
             <a:fld id="{1D8BD707-D9CF-40AE-B4C6-C98DA3205C09}" type="datetimeFigureOut">
               <a:rPr lang="en-US" smtClean="0"/>
               <a:pPr/>
-              <a:t>11/18/2024</a:t>
+              <a:t>11/19/2024</a:t>
             </a:fld>
             <a:endParaRPr lang="en-US"/>
           </a:p>
@@ -1183,7 +1186,7 @@
             <a:fld id="{1D8BD707-D9CF-40AE-B4C6-C98DA3205C09}" type="datetimeFigureOut">
               <a:rPr lang="en-US" smtClean="0"/>
               <a:pPr/>
-              <a:t>11/18/2024</a:t>
+              <a:t>11/19/2024</a:t>
             </a:fld>
             <a:endParaRPr lang="en-US"/>
           </a:p>
@@ -1425,7 +1428,7 @@
             <a:fld id="{1D8BD707-D9CF-40AE-B4C6-C98DA3205C09}" type="datetimeFigureOut">
               <a:rPr lang="en-US" smtClean="0"/>
               <a:pPr/>
-              <a:t>11/18/2024</a:t>
+              <a:t>11/19/2024</a:t>
             </a:fld>
             <a:endParaRPr lang="en-US"/>
           </a:p>
@@ -1707,7 +1710,7 @@
             <a:fld id="{1D8BD707-D9CF-40AE-B4C6-C98DA3205C09}" type="datetimeFigureOut">
               <a:rPr lang="en-US" smtClean="0"/>
               <a:pPr/>
-              <a:t>11/18/2024</a:t>
+              <a:t>11/19/2024</a:t>
             </a:fld>
             <a:endParaRPr lang="en-US"/>
           </a:p>
@@ -2123,7 +2126,7 @@
             <a:fld id="{1D8BD707-D9CF-40AE-B4C6-C98DA3205C09}" type="datetimeFigureOut">
               <a:rPr lang="en-US" smtClean="0"/>
               <a:pPr/>
-              <a:t>11/18/2024</a:t>
+              <a:t>11/19/2024</a:t>
             </a:fld>
             <a:endParaRPr lang="en-US"/>
           </a:p>
@@ -2237,7 +2240,7 @@
             <a:fld id="{1D8BD707-D9CF-40AE-B4C6-C98DA3205C09}" type="datetimeFigureOut">
               <a:rPr lang="en-US" smtClean="0"/>
               <a:pPr/>
-              <a:t>11/18/2024</a:t>
+              <a:t>11/19/2024</a:t>
             </a:fld>
             <a:endParaRPr lang="en-US"/>
           </a:p>
@@ -2329,7 +2332,7 @@
             <a:fld id="{1D8BD707-D9CF-40AE-B4C6-C98DA3205C09}" type="datetimeFigureOut">
               <a:rPr lang="en-US" smtClean="0"/>
               <a:pPr/>
-              <a:t>11/18/2024</a:t>
+              <a:t>11/19/2024</a:t>
             </a:fld>
             <a:endParaRPr lang="en-US"/>
           </a:p>
@@ -2601,7 +2604,7 @@
             <a:fld id="{1D8BD707-D9CF-40AE-B4C6-C98DA3205C09}" type="datetimeFigureOut">
               <a:rPr lang="en-US" smtClean="0"/>
               <a:pPr/>
-              <a:t>11/18/2024</a:t>
+              <a:t>11/19/2024</a:t>
             </a:fld>
             <a:endParaRPr lang="en-US"/>
           </a:p>
@@ -2850,7 +2853,7 @@
             <a:fld id="{1D8BD707-D9CF-40AE-B4C6-C98DA3205C09}" type="datetimeFigureOut">
               <a:rPr lang="en-US" smtClean="0"/>
               <a:pPr/>
-              <a:t>11/18/2024</a:t>
+              <a:t>11/19/2024</a:t>
             </a:fld>
             <a:endParaRPr lang="en-US"/>
           </a:p>
@@ -3058,7 +3061,7 @@
             <a:fld id="{1D8BD707-D9CF-40AE-B4C6-C98DA3205C09}" type="datetimeFigureOut">
               <a:rPr lang="en-US" smtClean="0"/>
               <a:pPr/>
-              <a:t>11/18/2024</a:t>
+              <a:t>11/19/2024</a:t>
             </a:fld>
             <a:endParaRPr lang="en-US"/>
           </a:p>
@@ -5243,8 +5246,8 @@
           </p:nvSpPr>
           <p:spPr>
             <a:xfrm>
-              <a:off x="9039224" y="875768"/>
-              <a:ext cx="1781175" cy="373115"/>
+              <a:off x="8610600" y="875768"/>
+              <a:ext cx="2209799" cy="388633"/>
             </a:xfrm>
             <a:prstGeom prst="rect">
               <a:avLst/>
@@ -7544,15 +7547,15 @@
         </p:nvSpPr>
         <p:spPr>
           <a:xfrm>
-            <a:off x="9039225" y="875768"/>
-            <a:ext cx="1662550" cy="373115"/>
+            <a:off x="8784894" y="875768"/>
+            <a:ext cx="1916881" cy="388633"/>
           </a:xfrm>
           <a:prstGeom prst="rect">
             <a:avLst/>
           </a:prstGeom>
         </p:spPr>
         <p:txBody>
-          <a:bodyPr lIns="0" tIns="0" rIns="0" bIns="0" rtlCol="0" anchor="t">
+          <a:bodyPr wrap="square" lIns="0" tIns="0" rIns="0" bIns="0" rtlCol="0" anchor="t">
             <a:spAutoFit/>
           </a:bodyPr>
           <a:lstStyle/>
@@ -8447,47 +8450,6 @@
           </p:txBody>
         </p:sp>
       </p:grpSp>
-      <p:sp>
-        <p:nvSpPr>
-          <p:cNvPr id="20" name="TextBox 20"/>
-          <p:cNvSpPr txBox="1"/>
-          <p:nvPr/>
-        </p:nvSpPr>
-        <p:spPr>
-          <a:xfrm>
-            <a:off x="10701775" y="3009843"/>
-            <a:ext cx="6452750" cy="2486463"/>
-          </a:xfrm>
-          <a:prstGeom prst="rect">
-            <a:avLst/>
-          </a:prstGeom>
-        </p:spPr>
-        <p:txBody>
-          <a:bodyPr lIns="0" tIns="0" rIns="0" bIns="0" rtlCol="0" anchor="t">
-            <a:spAutoFit/>
-          </a:bodyPr>
-          <a:lstStyle/>
-          <a:p>
-            <a:pPr algn="just">
-              <a:lnSpc>
-                <a:spcPts val="6517"/>
-              </a:lnSpc>
-            </a:pPr>
-            <a:r>
-              <a:rPr lang="en-US" sz="5871" b="1">
-                <a:solidFill>
-                  <a:srgbClr val="000000"/>
-                </a:solidFill>
-                <a:latin typeface="Tomorrow Bold"/>
-                <a:ea typeface="Tomorrow Bold"/>
-                <a:cs typeface="Tomorrow Bold"/>
-                <a:sym typeface="Tomorrow Bold"/>
-              </a:rPr>
-              <a:t>CUTTING-EDGE SPORTS TECHNOLOGY</a:t>
-            </a:r>
-          </a:p>
-        </p:txBody>
-      </p:sp>
       <p:grpSp>
         <p:nvGrpSpPr>
           <p:cNvPr id="25" name="Groupe 24">
@@ -8704,15 +8666,15 @@
           </p:nvSpPr>
           <p:spPr>
             <a:xfrm>
-              <a:off x="9039225" y="875768"/>
-              <a:ext cx="1662550" cy="373115"/>
+              <a:off x="8784894" y="875768"/>
+              <a:ext cx="1916881" cy="388633"/>
             </a:xfrm>
             <a:prstGeom prst="rect">
               <a:avLst/>
             </a:prstGeom>
           </p:spPr>
           <p:txBody>
-            <a:bodyPr lIns="0" tIns="0" rIns="0" bIns="0" rtlCol="0" anchor="t">
+            <a:bodyPr wrap="square" lIns="0" tIns="0" rIns="0" bIns="0" rtlCol="0" anchor="t">
               <a:spAutoFit/>
             </a:bodyPr>
             <a:lstStyle/>
@@ -12407,15 +12369,15 @@
           </p:nvSpPr>
           <p:spPr>
             <a:xfrm>
-              <a:off x="9039225" y="875768"/>
-              <a:ext cx="1662550" cy="373115"/>
+              <a:off x="8561892" y="875768"/>
+              <a:ext cx="2139883" cy="388633"/>
             </a:xfrm>
             <a:prstGeom prst="rect">
               <a:avLst/>
             </a:prstGeom>
           </p:spPr>
           <p:txBody>
-            <a:bodyPr lIns="0" tIns="0" rIns="0" bIns="0" rtlCol="0" anchor="t">
+            <a:bodyPr wrap="square" lIns="0" tIns="0" rIns="0" bIns="0" rtlCol="0" anchor="t">
               <a:spAutoFit/>
             </a:bodyPr>
             <a:lstStyle/>
@@ -12438,7 +12400,7 @@
                 <a:defRPr/>
               </a:pPr>
               <a:r>
-                <a:rPr kumimoji="0" lang="en-US" sz="2251" b="0" i="0" u="none" strike="noStrike" kern="1200" cap="none" spc="0" normalizeH="0" baseline="0" noProof="0" dirty="0">
+                <a:rPr kumimoji="0" lang="en-US" sz="2251" i="0" u="none" strike="noStrike" kern="1200" cap="none" spc="0" normalizeH="0" baseline="0" noProof="0" dirty="0">
                   <a:ln>
                     <a:noFill/>
                   </a:ln>
@@ -13702,15 +13664,15 @@
           </p:nvSpPr>
           <p:spPr>
             <a:xfrm>
-              <a:off x="9039225" y="875768"/>
-              <a:ext cx="1662550" cy="373115"/>
+              <a:off x="8561892" y="875768"/>
+              <a:ext cx="2139883" cy="388633"/>
             </a:xfrm>
             <a:prstGeom prst="rect">
               <a:avLst/>
             </a:prstGeom>
           </p:spPr>
           <p:txBody>
-            <a:bodyPr lIns="0" tIns="0" rIns="0" bIns="0" rtlCol="0" anchor="t">
+            <a:bodyPr wrap="square" lIns="0" tIns="0" rIns="0" bIns="0" rtlCol="0" anchor="t">
               <a:spAutoFit/>
             </a:bodyPr>
             <a:lstStyle/>
